--- a/2025_02_21_Vortrag_Gruppenarbeit.pptx
+++ b/2025_02_21_Vortrag_Gruppenarbeit.pptx
@@ -10,6 +10,7 @@
     <p:sldId id="257" r:id="rId4"/>
     <p:sldId id="262" r:id="rId5"/>
     <p:sldId id="263" r:id="rId6"/>
+    <p:sldId id="264" r:id="rId7"/>
   </p:sldIdLst>
   <p:sldSz cx="9144000" cy="5143500" type="screen16x9"/>
   <p:notesSz cx="7559675" cy="10691813"/>
@@ -108,15 +109,81 @@
       </a:defRPr>
     </a:lvl9pPr>
   </p:defaultTextStyle>
+  <p:extLst>
+    <p:ext uri="{EFAFB233-063F-42B5-8137-9DF3F51BA10A}">
+      <p15:sldGuideLst xmlns:p15="http://schemas.microsoft.com/office/powerpoint/2012/main"/>
+    </p:ext>
+  </p:extLst>
 </p:presentation>
 </file>
 
 <file path=ppt/revisionInfo.xml><?xml version="1.0" encoding="utf-8"?>
 <p1510:revInfo xmlns:a="http://schemas.openxmlformats.org/drawingml/2006/main" xmlns:r="http://schemas.openxmlformats.org/officeDocument/2006/relationships" xmlns:p1510="http://schemas.microsoft.com/office/powerpoint/2015/10/main">
   <p1510:revLst>
+    <p1510:client id="{2A3D09F9-7547-410D-97DF-E9DC009FD17E}" v="1" dt="2025-02-20T13:14:21.880"/>
     <p1510:client id="{EA36FE35-75A9-47FF-AD48-1FD42C912C94}" v="10" dt="2025-02-20T12:44:30.130"/>
   </p1510:revLst>
 </p1510:revInfo>
+</file>
+
+<file path=ppt/changesInfos/changesInfo1.xml><?xml version="1.0" encoding="utf-8"?>
+<pc:chgInfo xmlns:a="http://schemas.openxmlformats.org/drawingml/2006/main" xmlns:r="http://schemas.openxmlformats.org/officeDocument/2006/relationships" xmlns:ac="http://schemas.microsoft.com/office/drawing/2013/main/command" xmlns:pc="http://schemas.microsoft.com/office/powerpoint/2013/main/command">
+  <pc:docChgLst>
+    <pc:chgData name="DHBW-Valentin Merl" userId="92e1004a-c0df-4d76-b07a-652d8d476b08" providerId="ADAL" clId="{2A3D09F9-7547-410D-97DF-E9DC009FD17E}"/>
+    <pc:docChg chg="custSel addSld modSld">
+      <pc:chgData name="DHBW-Valentin Merl" userId="92e1004a-c0df-4d76-b07a-652d8d476b08" providerId="ADAL" clId="{2A3D09F9-7547-410D-97DF-E9DC009FD17E}" dt="2025-02-20T13:14:42.870" v="79" actId="20577"/>
+      <pc:docMkLst>
+        <pc:docMk/>
+      </pc:docMkLst>
+      <pc:sldChg chg="modSp mod">
+        <pc:chgData name="DHBW-Valentin Merl" userId="92e1004a-c0df-4d76-b07a-652d8d476b08" providerId="ADAL" clId="{2A3D09F9-7547-410D-97DF-E9DC009FD17E}" dt="2025-02-20T13:13:05.355" v="39" actId="20577"/>
+        <pc:sldMkLst>
+          <pc:docMk/>
+          <pc:sldMk cId="2830990139" sldId="262"/>
+        </pc:sldMkLst>
+        <pc:spChg chg="mod">
+          <ac:chgData name="DHBW-Valentin Merl" userId="92e1004a-c0df-4d76-b07a-652d8d476b08" providerId="ADAL" clId="{2A3D09F9-7547-410D-97DF-E9DC009FD17E}" dt="2025-02-20T13:13:05.355" v="39" actId="20577"/>
+          <ac:spMkLst>
+            <pc:docMk/>
+            <pc:sldMk cId="2830990139" sldId="262"/>
+            <ac:spMk id="296" creationId="{C43BFAF1-AD0F-BD29-99C5-A7AC74DD0B1A}"/>
+          </ac:spMkLst>
+        </pc:spChg>
+      </pc:sldChg>
+      <pc:sldChg chg="modSp add mod">
+        <pc:chgData name="DHBW-Valentin Merl" userId="92e1004a-c0df-4d76-b07a-652d8d476b08" providerId="ADAL" clId="{2A3D09F9-7547-410D-97DF-E9DC009FD17E}" dt="2025-02-20T13:14:42.870" v="79" actId="20577"/>
+        <pc:sldMkLst>
+          <pc:docMk/>
+          <pc:sldMk cId="2471096648" sldId="264"/>
+        </pc:sldMkLst>
+        <pc:spChg chg="mod">
+          <ac:chgData name="DHBW-Valentin Merl" userId="92e1004a-c0df-4d76-b07a-652d8d476b08" providerId="ADAL" clId="{2A3D09F9-7547-410D-97DF-E9DC009FD17E}" dt="2025-02-20T13:14:42.870" v="79" actId="20577"/>
+          <ac:spMkLst>
+            <pc:docMk/>
+            <pc:sldMk cId="2471096648" sldId="264"/>
+            <ac:spMk id="295" creationId="{5170311E-7C22-F6C1-3040-8B46788D3222}"/>
+          </ac:spMkLst>
+        </pc:spChg>
+        <pc:spChg chg="mod">
+          <ac:chgData name="DHBW-Valentin Merl" userId="92e1004a-c0df-4d76-b07a-652d8d476b08" providerId="ADAL" clId="{2A3D09F9-7547-410D-97DF-E9DC009FD17E}" dt="2025-02-20T13:14:26.208" v="43" actId="20577"/>
+          <ac:spMkLst>
+            <pc:docMk/>
+            <pc:sldMk cId="2471096648" sldId="264"/>
+            <ac:spMk id="296" creationId="{C1E1F36B-4B77-B0CA-0134-8C1F443CB518}"/>
+          </ac:spMkLst>
+        </pc:spChg>
+        <pc:spChg chg="mod">
+          <ac:chgData name="DHBW-Valentin Merl" userId="92e1004a-c0df-4d76-b07a-652d8d476b08" providerId="ADAL" clId="{2A3D09F9-7547-410D-97DF-E9DC009FD17E}" dt="2025-02-20T13:14:37.568" v="61" actId="20577"/>
+          <ac:spMkLst>
+            <pc:docMk/>
+            <pc:sldMk cId="2471096648" sldId="264"/>
+            <ac:spMk id="297" creationId="{8FEE4E39-0522-58C2-C782-490986A4179A}"/>
+          </ac:spMkLst>
+        </pc:spChg>
+      </pc:sldChg>
+    </pc:docChg>
+  </pc:docChgLst>
+</pc:chgInfo>
 </file>
 
 <file path=ppt/slideLayouts/slideLayout1.xml><?xml version="1.0" encoding="utf-8"?>
@@ -6641,7 +6708,70 @@
               </a:rPr>
               <a:t>6 Duplikate</a:t>
             </a:r>
-            <a:endParaRPr lang="de-DE" sz="1800" b="0" strike="noStrike" spc="-1" dirty="0">
+          </a:p>
+          <a:p>
+            <a:pPr marL="514350" indent="-285750">
+              <a:spcBef>
+                <a:spcPts val="1417"/>
+              </a:spcBef>
+            </a:pPr>
+            <a:r>
+              <a:rPr lang="de-DE" sz="1800" b="0" strike="noStrike" spc="-1" dirty="0">
+                <a:solidFill>
+                  <a:srgbClr val="2E3539"/>
+                </a:solidFill>
+                <a:latin typeface="Calibri"/>
+              </a:rPr>
+              <a:t>Fehler / Auffä</a:t>
+            </a:r>
+            <a:r>
+              <a:rPr lang="de-DE" sz="1800" spc="-1" dirty="0">
+                <a:solidFill>
+                  <a:srgbClr val="2E3539"/>
+                </a:solidFill>
+                <a:latin typeface="Calibri"/>
+              </a:rPr>
+              <a:t>lligkeiten:</a:t>
+            </a:r>
+          </a:p>
+          <a:p>
+            <a:pPr marL="971550" lvl="1" indent="-285750">
+              <a:spcBef>
+                <a:spcPts val="1417"/>
+              </a:spcBef>
+            </a:pPr>
+            <a:r>
+              <a:rPr lang="de-DE" sz="1400" b="0" strike="noStrike" spc="-1" dirty="0" err="1">
+                <a:solidFill>
+                  <a:srgbClr val="2E3539"/>
+                </a:solidFill>
+                <a:latin typeface="Calibri"/>
+              </a:rPr>
+              <a:t>Ds</a:t>
+            </a:r>
+            <a:endParaRPr lang="de-DE" sz="1400" b="0" strike="noStrike" spc="-1" dirty="0">
+              <a:solidFill>
+                <a:srgbClr val="2E3539"/>
+              </a:solidFill>
+              <a:latin typeface="Calibri"/>
+            </a:endParaRPr>
+          </a:p>
+          <a:p>
+            <a:pPr marL="971550" lvl="1" indent="-285750">
+              <a:spcBef>
+                <a:spcPts val="1417"/>
+              </a:spcBef>
+            </a:pPr>
+            <a:r>
+              <a:rPr lang="de-DE" sz="1400" spc="-1" dirty="0" err="1">
+                <a:solidFill>
+                  <a:srgbClr val="2E3539"/>
+                </a:solidFill>
+                <a:latin typeface="Calibri"/>
+              </a:rPr>
+              <a:t>dsdd</a:t>
+            </a:r>
+            <a:endParaRPr lang="de-DE" sz="1400" b="0" strike="noStrike" spc="-1" dirty="0">
               <a:solidFill>
                 <a:srgbClr val="2E3539"/>
               </a:solidFill>
@@ -7127,6 +7257,229 @@
     <p:extLst>
       <p:ext uri="{BB962C8B-B14F-4D97-AF65-F5344CB8AC3E}">
         <p14:creationId xmlns:p14="http://schemas.microsoft.com/office/powerpoint/2010/main" val="1352577782"/>
+      </p:ext>
+    </p:extLst>
+  </p:cSld>
+  <p:clrMapOvr>
+    <a:masterClrMapping/>
+  </p:clrMapOvr>
+</p:sld>
+</file>
+
+<file path=ppt/slides/slide5.xml><?xml version="1.0" encoding="utf-8"?>
+<p:sld xmlns:a="http://schemas.openxmlformats.org/drawingml/2006/main" xmlns:r="http://schemas.openxmlformats.org/officeDocument/2006/relationships" xmlns:p="http://schemas.openxmlformats.org/presentationml/2006/main">
+  <p:cSld>
+    <p:spTree>
+      <p:nvGrpSpPr>
+        <p:cNvPr id="1" name="">
+          <a:extLst>
+            <a:ext uri="{FF2B5EF4-FFF2-40B4-BE49-F238E27FC236}">
+              <a16:creationId xmlns:a16="http://schemas.microsoft.com/office/drawing/2014/main" id="{78BB96A8-F142-7EBC-0A51-B9ABFEC5259F}"/>
+            </a:ext>
+          </a:extLst>
+        </p:cNvPr>
+        <p:cNvGrpSpPr/>
+        <p:nvPr/>
+      </p:nvGrpSpPr>
+      <p:grpSpPr>
+        <a:xfrm>
+          <a:off x="0" y="0"/>
+          <a:ext cx="0" cy="0"/>
+          <a:chOff x="0" y="0"/>
+          <a:chExt cx="0" cy="0"/>
+        </a:xfrm>
+      </p:grpSpPr>
+      <p:sp>
+        <p:nvSpPr>
+          <p:cNvPr id="295" name="PlaceHolder 1">
+            <a:extLst>
+              <a:ext uri="{FF2B5EF4-FFF2-40B4-BE49-F238E27FC236}">
+                <a16:creationId xmlns:a16="http://schemas.microsoft.com/office/drawing/2014/main" id="{5170311E-7C22-F6C1-3040-8B46788D3222}"/>
+              </a:ext>
+            </a:extLst>
+          </p:cNvPr>
+          <p:cNvSpPr>
+            <a:spLocks noGrp="1"/>
+          </p:cNvSpPr>
+          <p:nvPr>
+            <p:ph/>
+          </p:nvPr>
+        </p:nvSpPr>
+        <p:spPr>
+          <a:xfrm>
+            <a:off x="683640" y="1131480"/>
+            <a:ext cx="7997400" cy="270000"/>
+          </a:xfrm>
+          <a:prstGeom prst="rect">
+            <a:avLst/>
+          </a:prstGeom>
+          <a:noFill/>
+          <a:ln w="0">
+            <a:noFill/>
+          </a:ln>
+        </p:spPr>
+        <p:txBody>
+          <a:bodyPr numCol="1" spcCol="0" anchor="ctr">
+            <a:noAutofit/>
+          </a:bodyPr>
+          <a:lstStyle/>
+          <a:p>
+            <a:pPr indent="0">
+              <a:spcBef>
+                <a:spcPts val="1417"/>
+              </a:spcBef>
+              <a:buNone/>
+            </a:pPr>
+            <a:r>
+              <a:rPr lang="de-DE" sz="1800" b="0" strike="noStrike" spc="-1" dirty="0">
+                <a:solidFill>
+                  <a:srgbClr val="2E3539"/>
+                </a:solidFill>
+                <a:latin typeface="Calibri"/>
+              </a:rPr>
+              <a:t>Zusätzliche Infos</a:t>
+            </a:r>
+          </a:p>
+        </p:txBody>
+      </p:sp>
+      <p:sp>
+        <p:nvSpPr>
+          <p:cNvPr id="296" name="PlaceHolder 2">
+            <a:extLst>
+              <a:ext uri="{FF2B5EF4-FFF2-40B4-BE49-F238E27FC236}">
+                <a16:creationId xmlns:a16="http://schemas.microsoft.com/office/drawing/2014/main" id="{C1E1F36B-4B77-B0CA-0134-8C1F443CB518}"/>
+              </a:ext>
+            </a:extLst>
+          </p:cNvPr>
+          <p:cNvSpPr>
+            <a:spLocks noGrp="1"/>
+          </p:cNvSpPr>
+          <p:nvPr>
+            <p:ph/>
+          </p:nvPr>
+        </p:nvSpPr>
+        <p:spPr>
+          <a:xfrm>
+            <a:off x="536400" y="1869840"/>
+            <a:ext cx="8144640" cy="2700000"/>
+          </a:xfrm>
+          <a:prstGeom prst="rect">
+            <a:avLst/>
+          </a:prstGeom>
+          <a:noFill/>
+          <a:ln w="0">
+            <a:noFill/>
+          </a:ln>
+        </p:spPr>
+        <p:txBody>
+          <a:bodyPr lIns="0" numCol="1" spcCol="0" anchor="t">
+            <a:noAutofit/>
+          </a:bodyPr>
+          <a:lstStyle/>
+          <a:p>
+            <a:pPr marL="514350" indent="-285750">
+              <a:spcBef>
+                <a:spcPts val="1417"/>
+              </a:spcBef>
+            </a:pPr>
+            <a:endParaRPr lang="de-DE" sz="1800" b="0" strike="noStrike" spc="-1" dirty="0">
+              <a:solidFill>
+                <a:srgbClr val="2E3539"/>
+              </a:solidFill>
+              <a:latin typeface="Calibri"/>
+            </a:endParaRPr>
+          </a:p>
+        </p:txBody>
+      </p:sp>
+      <p:sp>
+        <p:nvSpPr>
+          <p:cNvPr id="297" name="PlaceHolder 3">
+            <a:extLst>
+              <a:ext uri="{FF2B5EF4-FFF2-40B4-BE49-F238E27FC236}">
+                <a16:creationId xmlns:a16="http://schemas.microsoft.com/office/drawing/2014/main" id="{8FEE4E39-0522-58C2-C782-490986A4179A}"/>
+              </a:ext>
+            </a:extLst>
+          </p:cNvPr>
+          <p:cNvSpPr>
+            <a:spLocks noGrp="1"/>
+          </p:cNvSpPr>
+          <p:nvPr>
+            <p:ph type="title"/>
+          </p:nvPr>
+        </p:nvSpPr>
+        <p:spPr>
+          <a:xfrm>
+            <a:off x="683640" y="690840"/>
+            <a:ext cx="7998840" cy="440280"/>
+          </a:xfrm>
+          <a:prstGeom prst="rect">
+            <a:avLst/>
+          </a:prstGeom>
+          <a:noFill/>
+          <a:ln w="0">
+            <a:noFill/>
+          </a:ln>
+        </p:spPr>
+        <p:txBody>
+          <a:bodyPr numCol="1" spcCol="0" anchor="t">
+            <a:noAutofit/>
+          </a:bodyPr>
+          <a:lstStyle/>
+          <a:p>
+            <a:pPr indent="0">
+              <a:buNone/>
+            </a:pPr>
+            <a:r>
+              <a:rPr lang="de-DE" sz="2400" spc="-1" dirty="0">
+                <a:solidFill>
+                  <a:srgbClr val="5C6971"/>
+                </a:solidFill>
+                <a:latin typeface="Arial"/>
+              </a:rPr>
+              <a:t>Notebook</a:t>
+            </a:r>
+            <a:endParaRPr lang="de-DE" sz="2400" b="0" strike="noStrike" spc="-1" dirty="0">
+              <a:solidFill>
+                <a:srgbClr val="5C6971"/>
+              </a:solidFill>
+              <a:latin typeface="Arial"/>
+            </a:endParaRPr>
+          </a:p>
+        </p:txBody>
+      </p:sp>
+      <p:sp>
+        <p:nvSpPr>
+          <p:cNvPr id="5" name="PlaceHolder 4">
+            <a:extLst>
+              <a:ext uri="{FF2B5EF4-FFF2-40B4-BE49-F238E27FC236}">
+                <a16:creationId xmlns:a16="http://schemas.microsoft.com/office/drawing/2014/main" id="{35C2BD34-B10A-6D1C-6644-33B639787B62}"/>
+              </a:ext>
+            </a:extLst>
+          </p:cNvPr>
+          <p:cNvSpPr>
+            <a:spLocks noGrp="1"/>
+          </p:cNvSpPr>
+          <p:nvPr>
+            <p:ph type="sldNum" idx="1"/>
+          </p:nvPr>
+        </p:nvSpPr>
+        <p:spPr/>
+        <p:txBody>
+          <a:bodyPr/>
+          <a:lstStyle/>
+          <a:p>
+            <a:fld id="{EAEB674F-4718-490D-A01C-AA1B704B1C0D}" type="slidenum">
+              <a:rPr/>
+              <a:t>5</a:t>
+            </a:fld>
+            <a:endParaRPr/>
+          </a:p>
+        </p:txBody>
+      </p:sp>
+    </p:spTree>
+    <p:extLst>
+      <p:ext uri="{BB962C8B-B14F-4D97-AF65-F5344CB8AC3E}">
+        <p14:creationId xmlns:p14="http://schemas.microsoft.com/office/powerpoint/2010/main" val="2471096648"/>
       </p:ext>
     </p:extLst>
   </p:cSld>

--- a/2025_02_21_Vortrag_Gruppenarbeit.pptx
+++ b/2025_02_21_Vortrag_Gruppenarbeit.pptx
@@ -120,7 +120,7 @@
 <file path=ppt/revisionInfo.xml><?xml version="1.0" encoding="utf-8"?>
 <p1510:revInfo xmlns:a="http://schemas.openxmlformats.org/drawingml/2006/main" xmlns:r="http://schemas.openxmlformats.org/officeDocument/2006/relationships" xmlns:p1510="http://schemas.microsoft.com/office/powerpoint/2015/10/main">
   <p1510:revLst>
-    <p1510:client id="{2A3D09F9-7547-410D-97DF-E9DC009FD17E}" v="1" dt="2025-02-20T13:14:21.880"/>
+    <p1510:client id="{2A3D09F9-7547-410D-97DF-E9DC009FD17E}" v="2" dt="2025-02-20T18:20:42.700"/>
     <p1510:client id="{EA36FE35-75A9-47FF-AD48-1FD42C912C94}" v="10" dt="2025-02-20T12:44:30.130"/>
   </p1510:revLst>
 </p1510:revInfo>
@@ -131,24 +131,48 @@
   <pc:docChgLst>
     <pc:chgData name="DHBW-Valentin Merl" userId="92e1004a-c0df-4d76-b07a-652d8d476b08" providerId="ADAL" clId="{2A3D09F9-7547-410D-97DF-E9DC009FD17E}"/>
     <pc:docChg chg="custSel addSld modSld">
-      <pc:chgData name="DHBW-Valentin Merl" userId="92e1004a-c0df-4d76-b07a-652d8d476b08" providerId="ADAL" clId="{2A3D09F9-7547-410D-97DF-E9DC009FD17E}" dt="2025-02-20T13:14:42.870" v="79" actId="20577"/>
+      <pc:chgData name="DHBW-Valentin Merl" userId="92e1004a-c0df-4d76-b07a-652d8d476b08" providerId="ADAL" clId="{2A3D09F9-7547-410D-97DF-E9DC009FD17E}" dt="2025-02-21T07:54:07.536" v="145" actId="20577"/>
       <pc:docMkLst>
         <pc:docMk/>
       </pc:docMkLst>
-      <pc:sldChg chg="modSp mod">
-        <pc:chgData name="DHBW-Valentin Merl" userId="92e1004a-c0df-4d76-b07a-652d8d476b08" providerId="ADAL" clId="{2A3D09F9-7547-410D-97DF-E9DC009FD17E}" dt="2025-02-20T13:13:05.355" v="39" actId="20577"/>
+      <pc:sldChg chg="addSp delSp modSp mod">
+        <pc:chgData name="DHBW-Valentin Merl" userId="92e1004a-c0df-4d76-b07a-652d8d476b08" providerId="ADAL" clId="{2A3D09F9-7547-410D-97DF-E9DC009FD17E}" dt="2025-02-21T07:54:07.536" v="145" actId="20577"/>
         <pc:sldMkLst>
           <pc:docMk/>
           <pc:sldMk cId="2830990139" sldId="262"/>
         </pc:sldMkLst>
+        <pc:spChg chg="del">
+          <ac:chgData name="DHBW-Valentin Merl" userId="92e1004a-c0df-4d76-b07a-652d8d476b08" providerId="ADAL" clId="{2A3D09F9-7547-410D-97DF-E9DC009FD17E}" dt="2025-02-20T18:20:46.896" v="85" actId="478"/>
+          <ac:spMkLst>
+            <pc:docMk/>
+            <pc:sldMk cId="2830990139" sldId="262"/>
+            <ac:spMk id="2" creationId="{873214FA-F6D8-B227-4297-CCE508BB7B14}"/>
+          </ac:spMkLst>
+        </pc:spChg>
+        <pc:spChg chg="del">
+          <ac:chgData name="DHBW-Valentin Merl" userId="92e1004a-c0df-4d76-b07a-652d8d476b08" providerId="ADAL" clId="{2A3D09F9-7547-410D-97DF-E9DC009FD17E}" dt="2025-02-20T18:20:42.700" v="80"/>
+          <ac:spMkLst>
+            <pc:docMk/>
+            <pc:sldMk cId="2830990139" sldId="262"/>
+            <ac:spMk id="295" creationId="{DD4ECC1E-C1D1-9AB4-A1E5-3C3B4464E667}"/>
+          </ac:spMkLst>
+        </pc:spChg>
         <pc:spChg chg="mod">
-          <ac:chgData name="DHBW-Valentin Merl" userId="92e1004a-c0df-4d76-b07a-652d8d476b08" providerId="ADAL" clId="{2A3D09F9-7547-410D-97DF-E9DC009FD17E}" dt="2025-02-20T13:13:05.355" v="39" actId="20577"/>
+          <ac:chgData name="DHBW-Valentin Merl" userId="92e1004a-c0df-4d76-b07a-652d8d476b08" providerId="ADAL" clId="{2A3D09F9-7547-410D-97DF-E9DC009FD17E}" dt="2025-02-21T07:54:07.536" v="145" actId="20577"/>
           <ac:spMkLst>
             <pc:docMk/>
             <pc:sldMk cId="2830990139" sldId="262"/>
             <ac:spMk id="296" creationId="{C43BFAF1-AD0F-BD29-99C5-A7AC74DD0B1A}"/>
           </ac:spMkLst>
         </pc:spChg>
+        <pc:picChg chg="add mod">
+          <ac:chgData name="DHBW-Valentin Merl" userId="92e1004a-c0df-4d76-b07a-652d8d476b08" providerId="ADAL" clId="{2A3D09F9-7547-410D-97DF-E9DC009FD17E}" dt="2025-02-21T07:54:02.081" v="144" actId="14100"/>
+          <ac:picMkLst>
+            <pc:docMk/>
+            <pc:sldMk cId="2830990139" sldId="262"/>
+            <ac:picMk id="4" creationId="{6EC931BA-C1F8-2670-7479-A971C5262EA8}"/>
+          </ac:picMkLst>
+        </pc:picChg>
       </pc:sldChg>
       <pc:sldChg chg="modSp add mod">
         <pc:chgData name="DHBW-Valentin Merl" userId="92e1004a-c0df-4d76-b07a-652d8d476b08" providerId="ADAL" clId="{2A3D09F9-7547-410D-97DF-E9DC009FD17E}" dt="2025-02-20T13:14:42.870" v="79" actId="20577"/>
@@ -6577,56 +6601,48 @@
           <a:chExt cx="0" cy="0"/>
         </a:xfrm>
       </p:grpSpPr>
-      <p:sp>
-        <p:nvSpPr>
-          <p:cNvPr id="295" name="PlaceHolder 1">
+      <p:pic>
+        <p:nvPicPr>
+          <p:cNvPr id="4" name="Inhaltsplatzhalter 3" descr="Ein Bild, das Text, Screenshot, Diagramm, Rechteck enthält.&#10;&#10;KI-generierte Inhalte können fehlerhaft sein.">
             <a:extLst>
               <a:ext uri="{FF2B5EF4-FFF2-40B4-BE49-F238E27FC236}">
-                <a16:creationId xmlns:a16="http://schemas.microsoft.com/office/drawing/2014/main" id="{DD4ECC1E-C1D1-9AB4-A1E5-3C3B4464E667}"/>
+                <a16:creationId xmlns:a16="http://schemas.microsoft.com/office/drawing/2014/main" id="{6EC931BA-C1F8-2670-7479-A971C5262EA8}"/>
               </a:ext>
             </a:extLst>
           </p:cNvPr>
-          <p:cNvSpPr>
-            <a:spLocks noGrp="1"/>
-          </p:cNvSpPr>
+          <p:cNvPicPr>
+            <a:picLocks noGrp="1" noChangeAspect="1"/>
+          </p:cNvPicPr>
           <p:nvPr>
             <p:ph/>
           </p:nvPr>
-        </p:nvSpPr>
-        <p:spPr>
-          <a:xfrm>
-            <a:off x="683640" y="1131480"/>
-            <a:ext cx="7997400" cy="270000"/>
-          </a:xfrm>
-          <a:prstGeom prst="rect">
-            <a:avLst/>
-          </a:prstGeom>
-          <a:noFill/>
-          <a:ln w="0">
-            <a:noFill/>
-          </a:ln>
-        </p:spPr>
-        <p:txBody>
-          <a:bodyPr numCol="1" spcCol="0" anchor="ctr">
-            <a:noAutofit/>
-          </a:bodyPr>
-          <a:lstStyle/>
-          <a:p>
-            <a:pPr indent="0">
-              <a:spcBef>
-                <a:spcPts val="1417"/>
-              </a:spcBef>
-              <a:buNone/>
-            </a:pPr>
-            <a:endParaRPr lang="de-DE" sz="1800" b="0" strike="noStrike" spc="-1">
-              <a:solidFill>
-                <a:srgbClr val="2E3539"/>
-              </a:solidFill>
-              <a:latin typeface="Calibri"/>
-            </a:endParaRPr>
-          </a:p>
-        </p:txBody>
-      </p:sp>
+        </p:nvPicPr>
+        <p:blipFill>
+          <a:blip r:embed="rId2">
+            <a:extLst>
+              <a:ext uri="{28A0092B-C50C-407E-A947-70E740481C1C}">
+                <a14:useLocalDpi xmlns:a14="http://schemas.microsoft.com/office/drawing/2010/main" val="0"/>
+              </a:ext>
+            </a:extLst>
+          </a:blip>
+          <a:stretch>
+            <a:fillRect/>
+          </a:stretch>
+        </p:blipFill>
+        <p:spPr>
+          <a:xfrm>
+            <a:off x="4897967" y="1451619"/>
+            <a:ext cx="4482667" cy="3079217"/>
+          </a:xfrm>
+          <a:prstGeom prst="rect">
+            <a:avLst/>
+          </a:prstGeom>
+          <a:noFill/>
+          <a:ln w="0">
+            <a:noFill/>
+          </a:ln>
+        </p:spPr>
+      </p:pic>
       <p:sp>
         <p:nvSpPr>
           <p:cNvPr id="296" name="PlaceHolder 2">
@@ -6741,36 +6757,52 @@
               </a:spcBef>
             </a:pPr>
             <a:r>
+              <a:rPr lang="de-DE" sz="1400" b="0" strike="noStrike" spc="-1" dirty="0">
+                <a:solidFill>
+                  <a:srgbClr val="2E3539"/>
+                </a:solidFill>
+                <a:latin typeface="Calibri"/>
+              </a:rPr>
+              <a:t>Gender mit unterschiedlichen </a:t>
+            </a:r>
+            <a:r>
               <a:rPr lang="de-DE" sz="1400" b="0" strike="noStrike" spc="-1" dirty="0" err="1">
                 <a:solidFill>
                   <a:srgbClr val="2E3539"/>
                 </a:solidFill>
                 <a:latin typeface="Calibri"/>
               </a:rPr>
-              <a:t>Ds</a:t>
+              <a:t>unique</a:t>
             </a:r>
-            <a:endParaRPr lang="de-DE" sz="1400" b="0" strike="noStrike" spc="-1" dirty="0">
-              <a:solidFill>
-                <a:srgbClr val="2E3539"/>
-              </a:solidFill>
-              <a:latin typeface="Calibri"/>
-            </a:endParaRPr>
-          </a:p>
-          <a:p>
-            <a:pPr marL="971550" lvl="1" indent="-285750">
-              <a:spcBef>
-                <a:spcPts val="1417"/>
-              </a:spcBef>
-            </a:pPr>
             <a:r>
-              <a:rPr lang="de-DE" sz="1400" spc="-1" dirty="0" err="1">
+              <a:rPr lang="de-DE" sz="1400" b="0" strike="noStrike" spc="-1">
                 <a:solidFill>
                   <a:srgbClr val="2E3539"/>
                 </a:solidFill>
                 <a:latin typeface="Calibri"/>
               </a:rPr>
-              <a:t>dsdd</a:t>
+              <a:t>-Werten</a:t>
             </a:r>
+          </a:p>
+          <a:p>
+            <a:pPr marL="971550" lvl="1" indent="-285750">
+              <a:spcBef>
+                <a:spcPts val="1417"/>
+              </a:spcBef>
+            </a:pPr>
+            <a:endParaRPr lang="de-DE" sz="1400" b="0" strike="noStrike" spc="-1" dirty="0">
+              <a:solidFill>
+                <a:srgbClr val="2E3539"/>
+              </a:solidFill>
+              <a:latin typeface="Calibri"/>
+            </a:endParaRPr>
+          </a:p>
+          <a:p>
+            <a:pPr marL="971550" lvl="1" indent="-285750">
+              <a:spcBef>
+                <a:spcPts val="1417"/>
+              </a:spcBef>
+            </a:pPr>
             <a:endParaRPr lang="de-DE" sz="1400" b="0" strike="noStrike" spc="-1" dirty="0">
               <a:solidFill>
                 <a:srgbClr val="2E3539"/>
@@ -6856,55 +6888,6 @@
               <a:t>3</a:t>
             </a:fld>
             <a:endParaRPr/>
-          </a:p>
-        </p:txBody>
-      </p:sp>
-      <p:sp>
-        <p:nvSpPr>
-          <p:cNvPr id="2" name="Rechteck 1">
-            <a:extLst>
-              <a:ext uri="{FF2B5EF4-FFF2-40B4-BE49-F238E27FC236}">
-                <a16:creationId xmlns:a16="http://schemas.microsoft.com/office/drawing/2014/main" id="{873214FA-F6D8-B227-4297-CCE508BB7B14}"/>
-              </a:ext>
-            </a:extLst>
-          </p:cNvPr>
-          <p:cNvSpPr/>
-          <p:nvPr/>
-        </p:nvSpPr>
-        <p:spPr>
-          <a:xfrm>
-            <a:off x="3691467" y="2959100"/>
-            <a:ext cx="3619500" cy="1562100"/>
-          </a:xfrm>
-          <a:prstGeom prst="rect">
-            <a:avLst/>
-          </a:prstGeom>
-        </p:spPr>
-        <p:style>
-          <a:lnRef idx="2">
-            <a:schemeClr val="accent1">
-              <a:shade val="15000"/>
-            </a:schemeClr>
-          </a:lnRef>
-          <a:fillRef idx="1">
-            <a:schemeClr val="accent1"/>
-          </a:fillRef>
-          <a:effectRef idx="0">
-            <a:schemeClr val="accent1"/>
-          </a:effectRef>
-          <a:fontRef idx="minor">
-            <a:schemeClr val="lt1"/>
-          </a:fontRef>
-        </p:style>
-        <p:txBody>
-          <a:bodyPr rtlCol="0" anchor="ctr"/>
-          <a:lstStyle/>
-          <a:p>
-            <a:pPr algn="ctr"/>
-            <a:r>
-              <a:rPr lang="de-DE" dirty="0"/>
-              <a:t>Gewichtungs-Chart</a:t>
-            </a:r>
           </a:p>
         </p:txBody>
       </p:sp>

--- a/2025_02_21_Vortrag_Gruppenarbeit.pptx
+++ b/2025_02_21_Vortrag_Gruppenarbeit.pptx
@@ -9,8 +9,9 @@
     <p:sldId id="256" r:id="rId3"/>
     <p:sldId id="257" r:id="rId4"/>
     <p:sldId id="262" r:id="rId5"/>
-    <p:sldId id="263" r:id="rId6"/>
-    <p:sldId id="264" r:id="rId7"/>
+    <p:sldId id="265" r:id="rId6"/>
+    <p:sldId id="263" r:id="rId7"/>
+    <p:sldId id="264" r:id="rId8"/>
   </p:sldIdLst>
   <p:sldSz cx="9144000" cy="5143500" type="screen16x9"/>
   <p:notesSz cx="7559675" cy="10691813"/>
@@ -120,7 +121,7 @@
 <file path=ppt/revisionInfo.xml><?xml version="1.0" encoding="utf-8"?>
 <p1510:revInfo xmlns:a="http://schemas.openxmlformats.org/drawingml/2006/main" xmlns:r="http://schemas.openxmlformats.org/officeDocument/2006/relationships" xmlns:p1510="http://schemas.microsoft.com/office/powerpoint/2015/10/main">
   <p1510:revLst>
-    <p1510:client id="{2A3D09F9-7547-410D-97DF-E9DC009FD17E}" v="2" dt="2025-02-20T18:20:42.700"/>
+    <p1510:client id="{2A3D09F9-7547-410D-97DF-E9DC009FD17E}" v="4" dt="2025-02-21T07:56:30.964"/>
     <p1510:client id="{EA36FE35-75A9-47FF-AD48-1FD42C912C94}" v="10" dt="2025-02-20T12:44:30.130"/>
   </p1510:revLst>
 </p1510:revInfo>
@@ -131,12 +132,12 @@
   <pc:docChgLst>
     <pc:chgData name="DHBW-Valentin Merl" userId="92e1004a-c0df-4d76-b07a-652d8d476b08" providerId="ADAL" clId="{2A3D09F9-7547-410D-97DF-E9DC009FD17E}"/>
     <pc:docChg chg="custSel addSld modSld">
-      <pc:chgData name="DHBW-Valentin Merl" userId="92e1004a-c0df-4d76-b07a-652d8d476b08" providerId="ADAL" clId="{2A3D09F9-7547-410D-97DF-E9DC009FD17E}" dt="2025-02-21T07:54:07.536" v="145" actId="20577"/>
+      <pc:chgData name="DHBW-Valentin Merl" userId="92e1004a-c0df-4d76-b07a-652d8d476b08" providerId="ADAL" clId="{2A3D09F9-7547-410D-97DF-E9DC009FD17E}" dt="2025-02-21T07:59:11.566" v="206" actId="20577"/>
       <pc:docMkLst>
         <pc:docMk/>
       </pc:docMkLst>
       <pc:sldChg chg="addSp delSp modSp mod">
-        <pc:chgData name="DHBW-Valentin Merl" userId="92e1004a-c0df-4d76-b07a-652d8d476b08" providerId="ADAL" clId="{2A3D09F9-7547-410D-97DF-E9DC009FD17E}" dt="2025-02-21T07:54:07.536" v="145" actId="20577"/>
+        <pc:chgData name="DHBW-Valentin Merl" userId="92e1004a-c0df-4d76-b07a-652d8d476b08" providerId="ADAL" clId="{2A3D09F9-7547-410D-97DF-E9DC009FD17E}" dt="2025-02-21T07:59:11.566" v="206" actId="20577"/>
         <pc:sldMkLst>
           <pc:docMk/>
           <pc:sldMk cId="2830990139" sldId="262"/>
@@ -158,15 +159,23 @@
           </ac:spMkLst>
         </pc:spChg>
         <pc:spChg chg="mod">
-          <ac:chgData name="DHBW-Valentin Merl" userId="92e1004a-c0df-4d76-b07a-652d8d476b08" providerId="ADAL" clId="{2A3D09F9-7547-410D-97DF-E9DC009FD17E}" dt="2025-02-21T07:54:07.536" v="145" actId="20577"/>
+          <ac:chgData name="DHBW-Valentin Merl" userId="92e1004a-c0df-4d76-b07a-652d8d476b08" providerId="ADAL" clId="{2A3D09F9-7547-410D-97DF-E9DC009FD17E}" dt="2025-02-21T07:59:11.566" v="206" actId="20577"/>
           <ac:spMkLst>
             <pc:docMk/>
             <pc:sldMk cId="2830990139" sldId="262"/>
             <ac:spMk id="296" creationId="{C43BFAF1-AD0F-BD29-99C5-A7AC74DD0B1A}"/>
           </ac:spMkLst>
         </pc:spChg>
-        <pc:picChg chg="add mod">
-          <ac:chgData name="DHBW-Valentin Merl" userId="92e1004a-c0df-4d76-b07a-652d8d476b08" providerId="ADAL" clId="{2A3D09F9-7547-410D-97DF-E9DC009FD17E}" dt="2025-02-21T07:54:02.081" v="144" actId="14100"/>
+        <pc:picChg chg="add mod modCrop">
+          <ac:chgData name="DHBW-Valentin Merl" userId="92e1004a-c0df-4d76-b07a-652d8d476b08" providerId="ADAL" clId="{2A3D09F9-7547-410D-97DF-E9DC009FD17E}" dt="2025-02-21T07:56:45.497" v="152" actId="732"/>
+          <ac:picMkLst>
+            <pc:docMk/>
+            <pc:sldMk cId="2830990139" sldId="262"/>
+            <ac:picMk id="3" creationId="{F9A9C518-9D89-5765-5277-59C630A2059C}"/>
+          </ac:picMkLst>
+        </pc:picChg>
+        <pc:picChg chg="add del mod">
+          <ac:chgData name="DHBW-Valentin Merl" userId="92e1004a-c0df-4d76-b07a-652d8d476b08" providerId="ADAL" clId="{2A3D09F9-7547-410D-97DF-E9DC009FD17E}" dt="2025-02-21T07:56:34.055" v="149" actId="478"/>
           <ac:picMkLst>
             <pc:docMk/>
             <pc:sldMk cId="2830990139" sldId="262"/>
@@ -204,6 +213,37 @@
             <ac:spMk id="297" creationId="{8FEE4E39-0522-58C2-C782-490986A4179A}"/>
           </ac:spMkLst>
         </pc:spChg>
+      </pc:sldChg>
+      <pc:sldChg chg="delSp modSp add mod">
+        <pc:chgData name="DHBW-Valentin Merl" userId="92e1004a-c0df-4d76-b07a-652d8d476b08" providerId="ADAL" clId="{2A3D09F9-7547-410D-97DF-E9DC009FD17E}" dt="2025-02-21T07:56:56.429" v="155" actId="1076"/>
+        <pc:sldMkLst>
+          <pc:docMk/>
+          <pc:sldMk cId="979766367" sldId="265"/>
+        </pc:sldMkLst>
+        <pc:spChg chg="del">
+          <ac:chgData name="DHBW-Valentin Merl" userId="92e1004a-c0df-4d76-b07a-652d8d476b08" providerId="ADAL" clId="{2A3D09F9-7547-410D-97DF-E9DC009FD17E}" dt="2025-02-21T07:56:53.613" v="154" actId="478"/>
+          <ac:spMkLst>
+            <pc:docMk/>
+            <pc:sldMk cId="979766367" sldId="265"/>
+            <ac:spMk id="296" creationId="{E2A39D92-E1D2-570E-DE6F-7278EA145B8E}"/>
+          </ac:spMkLst>
+        </pc:spChg>
+        <pc:picChg chg="del">
+          <ac:chgData name="DHBW-Valentin Merl" userId="92e1004a-c0df-4d76-b07a-652d8d476b08" providerId="ADAL" clId="{2A3D09F9-7547-410D-97DF-E9DC009FD17E}" dt="2025-02-21T07:56:50.017" v="153" actId="478"/>
+          <ac:picMkLst>
+            <pc:docMk/>
+            <pc:sldMk cId="979766367" sldId="265"/>
+            <ac:picMk id="3" creationId="{5E07FC6D-A3C6-7D65-E266-06558FF08BFE}"/>
+          </ac:picMkLst>
+        </pc:picChg>
+        <pc:picChg chg="mod">
+          <ac:chgData name="DHBW-Valentin Merl" userId="92e1004a-c0df-4d76-b07a-652d8d476b08" providerId="ADAL" clId="{2A3D09F9-7547-410D-97DF-E9DC009FD17E}" dt="2025-02-21T07:56:56.429" v="155" actId="1076"/>
+          <ac:picMkLst>
+            <pc:docMk/>
+            <pc:sldMk cId="979766367" sldId="265"/>
+            <ac:picMk id="4" creationId="{28EEDB04-97BF-9B54-A756-7FA0C6EEDAA5}"/>
+          </ac:picMkLst>
+        </pc:picChg>
       </pc:sldChg>
     </pc:docChg>
   </pc:docChgLst>
@@ -6601,48 +6641,6 @@
           <a:chExt cx="0" cy="0"/>
         </a:xfrm>
       </p:grpSpPr>
-      <p:pic>
-        <p:nvPicPr>
-          <p:cNvPr id="4" name="Inhaltsplatzhalter 3" descr="Ein Bild, das Text, Screenshot, Diagramm, Rechteck enthält.&#10;&#10;KI-generierte Inhalte können fehlerhaft sein.">
-            <a:extLst>
-              <a:ext uri="{FF2B5EF4-FFF2-40B4-BE49-F238E27FC236}">
-                <a16:creationId xmlns:a16="http://schemas.microsoft.com/office/drawing/2014/main" id="{6EC931BA-C1F8-2670-7479-A971C5262EA8}"/>
-              </a:ext>
-            </a:extLst>
-          </p:cNvPr>
-          <p:cNvPicPr>
-            <a:picLocks noGrp="1" noChangeAspect="1"/>
-          </p:cNvPicPr>
-          <p:nvPr>
-            <p:ph/>
-          </p:nvPr>
-        </p:nvPicPr>
-        <p:blipFill>
-          <a:blip r:embed="rId2">
-            <a:extLst>
-              <a:ext uri="{28A0092B-C50C-407E-A947-70E740481C1C}">
-                <a14:useLocalDpi xmlns:a14="http://schemas.microsoft.com/office/drawing/2010/main" val="0"/>
-              </a:ext>
-            </a:extLst>
-          </a:blip>
-          <a:stretch>
-            <a:fillRect/>
-          </a:stretch>
-        </p:blipFill>
-        <p:spPr>
-          <a:xfrm>
-            <a:off x="4897967" y="1451619"/>
-            <a:ext cx="4482667" cy="3079217"/>
-          </a:xfrm>
-          <a:prstGeom prst="rect">
-            <a:avLst/>
-          </a:prstGeom>
-          <a:noFill/>
-          <a:ln w="0">
-            <a:noFill/>
-          </a:ln>
-        </p:spPr>
-      </p:pic>
       <p:sp>
         <p:nvSpPr>
           <p:cNvPr id="296" name="PlaceHolder 2">
@@ -6775,7 +6773,7 @@
               <a:t>unique</a:t>
             </a:r>
             <a:r>
-              <a:rPr lang="de-DE" sz="1400" b="0" strike="noStrike" spc="-1">
+              <a:rPr lang="de-DE" sz="1400" b="0" strike="noStrike" spc="-1" dirty="0">
                 <a:solidFill>
                   <a:srgbClr val="2E3539"/>
                 </a:solidFill>
@@ -6790,12 +6788,42 @@
                 <a:spcPts val="1417"/>
               </a:spcBef>
             </a:pPr>
-            <a:endParaRPr lang="de-DE" sz="1400" b="0" strike="noStrike" spc="-1" dirty="0">
-              <a:solidFill>
-                <a:srgbClr val="2E3539"/>
-              </a:solidFill>
-              <a:latin typeface="Calibri"/>
-            </a:endParaRPr>
+            <a:r>
+              <a:rPr lang="de-DE" sz="1400" spc="-1" dirty="0">
+                <a:solidFill>
+                  <a:srgbClr val="2E3539"/>
+                </a:solidFill>
+                <a:latin typeface="Calibri"/>
+              </a:rPr>
+              <a:t>Spalte </a:t>
+            </a:r>
+            <a:r>
+              <a:rPr lang="de-DE" sz="1400" spc="-1" dirty="0" err="1">
+                <a:solidFill>
+                  <a:srgbClr val="2E3539"/>
+                </a:solidFill>
+                <a:latin typeface="Calibri"/>
+              </a:rPr>
+              <a:t>n</a:t>
+            </a:r>
+            <a:r>
+              <a:rPr lang="de-DE" sz="1400" b="0" strike="noStrike" spc="-1" dirty="0" err="1">
+                <a:solidFill>
+                  <a:srgbClr val="2E3539"/>
+                </a:solidFill>
+                <a:latin typeface="Calibri"/>
+              </a:rPr>
+              <a:t>um_kids</a:t>
+            </a:r>
+            <a:r>
+              <a:rPr lang="de-DE" sz="1400" b="0" strike="noStrike" spc="-1" dirty="0">
+                <a:solidFill>
+                  <a:srgbClr val="2E3539"/>
+                </a:solidFill>
+                <a:latin typeface="Calibri"/>
+              </a:rPr>
+              <a:t> nur “–“</a:t>
+            </a:r>
           </a:p>
           <a:p>
             <a:pPr marL="971550" lvl="1" indent="-285750">
@@ -6891,6 +6919,41 @@
           </a:p>
         </p:txBody>
       </p:sp>
+      <p:pic>
+        <p:nvPicPr>
+          <p:cNvPr id="3" name="Grafik 2" descr="Ein Bild, das Text, Diagramm, Screenshot, technische Zeichnung enthält.&#10;&#10;KI-generierte Inhalte können fehlerhaft sein.">
+            <a:extLst>
+              <a:ext uri="{FF2B5EF4-FFF2-40B4-BE49-F238E27FC236}">
+                <a16:creationId xmlns:a16="http://schemas.microsoft.com/office/drawing/2014/main" id="{F9A9C518-9D89-5765-5277-59C630A2059C}"/>
+              </a:ext>
+            </a:extLst>
+          </p:cNvPr>
+          <p:cNvPicPr>
+            <a:picLocks noChangeAspect="1"/>
+          </p:cNvPicPr>
+          <p:nvPr/>
+        </p:nvPicPr>
+        <p:blipFill>
+          <a:blip r:embed="rId2">
+            <a:extLst>
+              <a:ext uri="{28A0092B-C50C-407E-A947-70E740481C1C}">
+                <a14:useLocalDpi xmlns:a14="http://schemas.microsoft.com/office/drawing/2010/main" val="0"/>
+              </a:ext>
+            </a:extLst>
+          </a:blip>
+          <a:srcRect t="5396"/>
+          <a:stretch/>
+        </p:blipFill>
+        <p:spPr>
+          <a:xfrm>
+            <a:off x="5912872" y="1037167"/>
+            <a:ext cx="2101126" cy="3636432"/>
+          </a:xfrm>
+          <a:prstGeom prst="rect">
+            <a:avLst/>
+          </a:prstGeom>
+        </p:spPr>
+      </p:pic>
     </p:spTree>
     <p:extLst>
       <p:ext uri="{BB962C8B-B14F-4D97-AF65-F5344CB8AC3E}">
@@ -6905,6 +6968,163 @@
 </file>
 
 <file path=ppt/slides/slide4.xml><?xml version="1.0" encoding="utf-8"?>
+<p:sld xmlns:a="http://schemas.openxmlformats.org/drawingml/2006/main" xmlns:r="http://schemas.openxmlformats.org/officeDocument/2006/relationships" xmlns:p="http://schemas.openxmlformats.org/presentationml/2006/main">
+  <p:cSld>
+    <p:spTree>
+      <p:nvGrpSpPr>
+        <p:cNvPr id="1" name="">
+          <a:extLst>
+            <a:ext uri="{FF2B5EF4-FFF2-40B4-BE49-F238E27FC236}">
+              <a16:creationId xmlns:a16="http://schemas.microsoft.com/office/drawing/2014/main" id="{2B77F490-2D28-6125-F46A-8E3B6D8E844C}"/>
+            </a:ext>
+          </a:extLst>
+        </p:cNvPr>
+        <p:cNvGrpSpPr/>
+        <p:nvPr/>
+      </p:nvGrpSpPr>
+      <p:grpSpPr>
+        <a:xfrm>
+          <a:off x="0" y="0"/>
+          <a:ext cx="0" cy="0"/>
+          <a:chOff x="0" y="0"/>
+          <a:chExt cx="0" cy="0"/>
+        </a:xfrm>
+      </p:grpSpPr>
+      <p:pic>
+        <p:nvPicPr>
+          <p:cNvPr id="4" name="Inhaltsplatzhalter 3" descr="Ein Bild, das Text, Screenshot, Diagramm, Rechteck enthält.&#10;&#10;KI-generierte Inhalte können fehlerhaft sein.">
+            <a:extLst>
+              <a:ext uri="{FF2B5EF4-FFF2-40B4-BE49-F238E27FC236}">
+                <a16:creationId xmlns:a16="http://schemas.microsoft.com/office/drawing/2014/main" id="{28EEDB04-97BF-9B54-A756-7FA0C6EEDAA5}"/>
+              </a:ext>
+            </a:extLst>
+          </p:cNvPr>
+          <p:cNvPicPr>
+            <a:picLocks noGrp="1" noChangeAspect="1"/>
+          </p:cNvPicPr>
+          <p:nvPr>
+            <p:ph/>
+          </p:nvPr>
+        </p:nvPicPr>
+        <p:blipFill>
+          <a:blip r:embed="rId2">
+            <a:extLst>
+              <a:ext uri="{28A0092B-C50C-407E-A947-70E740481C1C}">
+                <a14:useLocalDpi xmlns:a14="http://schemas.microsoft.com/office/drawing/2010/main" val="0"/>
+              </a:ext>
+            </a:extLst>
+          </a:blip>
+          <a:stretch>
+            <a:fillRect/>
+          </a:stretch>
+        </p:blipFill>
+        <p:spPr>
+          <a:xfrm>
+            <a:off x="2441726" y="1718319"/>
+            <a:ext cx="4482667" cy="3079217"/>
+          </a:xfrm>
+          <a:prstGeom prst="rect">
+            <a:avLst/>
+          </a:prstGeom>
+          <a:noFill/>
+          <a:ln w="0">
+            <a:noFill/>
+          </a:ln>
+        </p:spPr>
+      </p:pic>
+      <p:sp>
+        <p:nvSpPr>
+          <p:cNvPr id="297" name="PlaceHolder 3">
+            <a:extLst>
+              <a:ext uri="{FF2B5EF4-FFF2-40B4-BE49-F238E27FC236}">
+                <a16:creationId xmlns:a16="http://schemas.microsoft.com/office/drawing/2014/main" id="{7E870532-AFA0-C372-93AB-5DEF5FCA3EBF}"/>
+              </a:ext>
+            </a:extLst>
+          </p:cNvPr>
+          <p:cNvSpPr>
+            <a:spLocks noGrp="1"/>
+          </p:cNvSpPr>
+          <p:nvPr>
+            <p:ph type="title"/>
+          </p:nvPr>
+        </p:nvSpPr>
+        <p:spPr>
+          <a:xfrm>
+            <a:off x="683640" y="690840"/>
+            <a:ext cx="7998840" cy="440280"/>
+          </a:xfrm>
+          <a:prstGeom prst="rect">
+            <a:avLst/>
+          </a:prstGeom>
+          <a:noFill/>
+          <a:ln w="0">
+            <a:noFill/>
+          </a:ln>
+        </p:spPr>
+        <p:txBody>
+          <a:bodyPr numCol="1" spcCol="0" anchor="t">
+            <a:noAutofit/>
+          </a:bodyPr>
+          <a:lstStyle/>
+          <a:p>
+            <a:pPr indent="0">
+              <a:buNone/>
+            </a:pPr>
+            <a:r>
+              <a:rPr lang="de-DE" sz="2400" b="0" strike="noStrike" spc="-1" dirty="0">
+                <a:solidFill>
+                  <a:srgbClr val="5C6971"/>
+                </a:solidFill>
+                <a:latin typeface="Arial"/>
+              </a:rPr>
+              <a:t>Datensatz</a:t>
+            </a:r>
+          </a:p>
+        </p:txBody>
+      </p:sp>
+      <p:sp>
+        <p:nvSpPr>
+          <p:cNvPr id="5" name="PlaceHolder 4">
+            <a:extLst>
+              <a:ext uri="{FF2B5EF4-FFF2-40B4-BE49-F238E27FC236}">
+                <a16:creationId xmlns:a16="http://schemas.microsoft.com/office/drawing/2014/main" id="{D993543C-CEB7-F617-0C11-8C2C24111A2E}"/>
+              </a:ext>
+            </a:extLst>
+          </p:cNvPr>
+          <p:cNvSpPr>
+            <a:spLocks noGrp="1"/>
+          </p:cNvSpPr>
+          <p:nvPr>
+            <p:ph type="sldNum" idx="1"/>
+          </p:nvPr>
+        </p:nvSpPr>
+        <p:spPr/>
+        <p:txBody>
+          <a:bodyPr/>
+          <a:lstStyle/>
+          <a:p>
+            <a:fld id="{EAEB674F-4718-490D-A01C-AA1B704B1C0D}" type="slidenum">
+              <a:rPr/>
+              <a:t>4</a:t>
+            </a:fld>
+            <a:endParaRPr/>
+          </a:p>
+        </p:txBody>
+      </p:sp>
+    </p:spTree>
+    <p:extLst>
+      <p:ext uri="{BB962C8B-B14F-4D97-AF65-F5344CB8AC3E}">
+        <p14:creationId xmlns:p14="http://schemas.microsoft.com/office/powerpoint/2010/main" val="979766367"/>
+      </p:ext>
+    </p:extLst>
+  </p:cSld>
+  <p:clrMapOvr>
+    <a:masterClrMapping/>
+  </p:clrMapOvr>
+</p:sld>
+</file>
+
+<file path=ppt/slides/slide5.xml><?xml version="1.0" encoding="utf-8"?>
 <p:sld xmlns:a="http://schemas.openxmlformats.org/drawingml/2006/main" xmlns:r="http://schemas.openxmlformats.org/officeDocument/2006/relationships" xmlns:p="http://schemas.openxmlformats.org/presentationml/2006/main">
   <p:cSld>
     <p:spTree>
@@ -7230,7 +7450,7 @@
           <a:p>
             <a:fld id="{EAEB674F-4718-490D-A01C-AA1B704B1C0D}" type="slidenum">
               <a:rPr/>
-              <a:t>4</a:t>
+              <a:t>5</a:t>
             </a:fld>
             <a:endParaRPr/>
           </a:p>
@@ -7249,7 +7469,7 @@
 </p:sld>
 </file>
 
-<file path=ppt/slides/slide5.xml><?xml version="1.0" encoding="utf-8"?>
+<file path=ppt/slides/slide6.xml><?xml version="1.0" encoding="utf-8"?>
 <p:sld xmlns:a="http://schemas.openxmlformats.org/drawingml/2006/main" xmlns:r="http://schemas.openxmlformats.org/officeDocument/2006/relationships" xmlns:p="http://schemas.openxmlformats.org/presentationml/2006/main">
   <p:cSld>
     <p:spTree>
@@ -7453,7 +7673,7 @@
           <a:p>
             <a:fld id="{EAEB674F-4718-490D-A01C-AA1B704B1C0D}" type="slidenum">
               <a:rPr/>
-              <a:t>5</a:t>
+              <a:t>6</a:t>
             </a:fld>
             <a:endParaRPr/>
           </a:p>
